--- a/Lecture_2_OOP.pptx
+++ b/Lecture_2_OOP.pptx
@@ -3236,7 +3236,7 @@
         </p:spPr>
         <p:txBody>
           <a:bodyPr>
-            <a:normAutofit fontScale="92500" lnSpcReduction="10000"/>
+            <a:normAutofit fontScale="85000" lnSpcReduction="10000"/>
           </a:bodyPr>
           <a:lstStyle/>
           <a:p>
@@ -3325,13 +3325,32 @@
                   </a:schemeClr>
                 </a:solidFill>
               </a:rPr>
-              <a:t>персистентность</a:t>
-            </a:r>
-            <a:endParaRPr lang="ru-RU" dirty="0">
+              <a:t>Персистентность</a:t>
+            </a:r>
+            <a:endParaRPr lang="en-US" dirty="0" smtClean="0">
               <a:solidFill>
                 <a:schemeClr val="bg1">
                   <a:lumMod val="85000"/>
                 </a:schemeClr>
+              </a:solidFill>
+            </a:endParaRPr>
+          </a:p>
+          <a:p>
+            <a:r>
+              <a:rPr lang="ru-RU" dirty="0" smtClean="0"/>
+              <a:t>Слайды лекций на </a:t>
+            </a:r>
+            <a:r>
+              <a:rPr lang="en-US" dirty="0">
+                <a:solidFill>
+                  <a:schemeClr val="accent1"/>
+                </a:solidFill>
+              </a:rPr>
+              <a:t>https://github.com/pelipas/OOP</a:t>
+            </a:r>
+            <a:endParaRPr lang="ru-RU" dirty="0">
+              <a:solidFill>
+                <a:schemeClr val="accent1"/>
               </a:solidFill>
             </a:endParaRPr>
           </a:p>
@@ -6131,11 +6150,7 @@
           <a:p>
             <a:r>
               <a:rPr lang="ru-RU" sz="2000" dirty="0" smtClean="0"/>
-              <a:t>Диаграмма </a:t>
-            </a:r>
-            <a:r>
-              <a:rPr lang="ru-RU" sz="2000" dirty="0" smtClean="0"/>
-              <a:t>деятельности (</a:t>
+              <a:t>Диаграмма деятельности (</a:t>
             </a:r>
             <a:r>
               <a:rPr lang="ru-RU" sz="2000" dirty="0" err="1" smtClean="0"/>
